--- a/apresentação.pptx
+++ b/apresentação.pptx
@@ -111,7 +111,57 @@
       </a:defRPr>
     </a:lvl9pPr>
   </p:defaultTextStyle>
+  <p:extLst>
+    <p:ext uri="{EFAFB233-063F-42B5-8137-9DF3F51BA10A}">
+      <p15:sldGuideLst xmlns:p15="http://schemas.microsoft.com/office/powerpoint/2012/main"/>
+    </p:ext>
+  </p:extLst>
 </p:presentation>
+</file>
+
+<file path=ppt/revisionInfo.xml><?xml version="1.0" encoding="utf-8"?>
+<p1510:revInfo xmlns:a="http://schemas.openxmlformats.org/drawingml/2006/main" xmlns:r="http://schemas.openxmlformats.org/officeDocument/2006/relationships" xmlns:p1510="http://schemas.microsoft.com/office/powerpoint/2015/10/main">
+  <p1510:revLst>
+    <p1510:client id="{00B62E7F-29CD-49C8-8067-9D469B8AC746}" v="1" dt="2021-05-03T11:09:39.388"/>
+  </p1510:revLst>
+</p1510:revInfo>
+</file>
+
+<file path=ppt/changesInfos/changesInfo1.xml><?xml version="1.0" encoding="utf-8"?>
+<pc:chgInfo xmlns:a="http://schemas.openxmlformats.org/drawingml/2006/main" xmlns:r="http://schemas.openxmlformats.org/officeDocument/2006/relationships" xmlns:ac="http://schemas.microsoft.com/office/drawing/2013/main/command" xmlns:pc="http://schemas.microsoft.com/office/powerpoint/2013/main/command">
+  <pc:docChgLst>
+    <pc:chgData name="Carlos Santos" userId="d9f261f48c46f082" providerId="LiveId" clId="{00B62E7F-29CD-49C8-8067-9D469B8AC746}"/>
+    <pc:docChg chg="custSel modSld">
+      <pc:chgData name="Carlos Santos" userId="d9f261f48c46f082" providerId="LiveId" clId="{00B62E7F-29CD-49C8-8067-9D469B8AC746}" dt="2021-05-03T11:09:43.259" v="4" actId="1076"/>
+      <pc:docMkLst>
+        <pc:docMk/>
+      </pc:docMkLst>
+      <pc:sldChg chg="addSp delSp modSp mod">
+        <pc:chgData name="Carlos Santos" userId="d9f261f48c46f082" providerId="LiveId" clId="{00B62E7F-29CD-49C8-8067-9D469B8AC746}" dt="2021-05-03T11:09:43.259" v="4" actId="1076"/>
+        <pc:sldMkLst>
+          <pc:docMk/>
+          <pc:sldMk cId="2699702356" sldId="257"/>
+        </pc:sldMkLst>
+        <pc:picChg chg="add mod">
+          <ac:chgData name="Carlos Santos" userId="d9f261f48c46f082" providerId="LiveId" clId="{00B62E7F-29CD-49C8-8067-9D469B8AC746}" dt="2021-05-03T11:09:43.259" v="4" actId="1076"/>
+          <ac:picMkLst>
+            <pc:docMk/>
+            <pc:sldMk cId="2699702356" sldId="257"/>
+            <ac:picMk id="4" creationId="{CDE7AE37-4491-40DE-B898-E870850CC248}"/>
+          </ac:picMkLst>
+        </pc:picChg>
+        <pc:picChg chg="del">
+          <ac:chgData name="Carlos Santos" userId="d9f261f48c46f082" providerId="LiveId" clId="{00B62E7F-29CD-49C8-8067-9D469B8AC746}" dt="2021-05-03T11:09:30.475" v="0" actId="478"/>
+          <ac:picMkLst>
+            <pc:docMk/>
+            <pc:sldMk cId="2699702356" sldId="257"/>
+            <ac:picMk id="5" creationId="{4CE14448-A8CD-4856-A963-C47716E6C863}"/>
+          </ac:picMkLst>
+        </pc:picChg>
+      </pc:sldChg>
+    </pc:docChg>
+  </pc:docChgLst>
+</pc:chgInfo>
 </file>
 
 <file path=ppt/slideLayouts/slideLayout1.xml><?xml version="1.0" encoding="utf-8"?>
@@ -3511,42 +3561,6 @@
           </a:xfrm>
         </p:spPr>
       </p:pic>
-      <p:pic>
-        <p:nvPicPr>
-          <p:cNvPr id="5" name="Imagem 4">
-            <a:extLst>
-              <a:ext uri="{FF2B5EF4-FFF2-40B4-BE49-F238E27FC236}">
-                <a16:creationId xmlns:a16="http://schemas.microsoft.com/office/drawing/2014/main" id="{4CE14448-A8CD-4856-A963-C47716E6C863}"/>
-              </a:ext>
-            </a:extLst>
-          </p:cNvPr>
-          <p:cNvPicPr>
-            <a:picLocks noChangeAspect="1"/>
-          </p:cNvPicPr>
-          <p:nvPr/>
-        </p:nvPicPr>
-        <p:blipFill>
-          <a:blip r:embed="rId3">
-            <a:extLst>
-              <a:ext uri="{28A0092B-C50C-407E-A947-70E740481C1C}">
-                <a14:useLocalDpi xmlns:a14="http://schemas.microsoft.com/office/drawing/2010/main" val="0"/>
-              </a:ext>
-            </a:extLst>
-          </a:blip>
-          <a:stretch>
-            <a:fillRect/>
-          </a:stretch>
-        </p:blipFill>
-        <p:spPr>
-          <a:xfrm>
-            <a:off x="1160612" y="3281251"/>
-            <a:ext cx="4845604" cy="2821020"/>
-          </a:xfrm>
-          <a:prstGeom prst="rect">
-            <a:avLst/>
-          </a:prstGeom>
-        </p:spPr>
-      </p:pic>
       <p:sp>
         <p:nvSpPr>
           <p:cNvPr id="8" name="CaixaDeTexto 7">
@@ -3598,6 +3612,42 @@
           </a:p>
         </p:txBody>
       </p:sp>
+      <p:pic>
+        <p:nvPicPr>
+          <p:cNvPr id="4" name="Imagem 3">
+            <a:extLst>
+              <a:ext uri="{FF2B5EF4-FFF2-40B4-BE49-F238E27FC236}">
+                <a16:creationId xmlns:a16="http://schemas.microsoft.com/office/drawing/2014/main" id="{CDE7AE37-4491-40DE-B898-E870850CC248}"/>
+              </a:ext>
+            </a:extLst>
+          </p:cNvPr>
+          <p:cNvPicPr>
+            <a:picLocks noChangeAspect="1"/>
+          </p:cNvPicPr>
+          <p:nvPr/>
+        </p:nvPicPr>
+        <p:blipFill>
+          <a:blip r:embed="rId3">
+            <a:extLst>
+              <a:ext uri="{28A0092B-C50C-407E-A947-70E740481C1C}">
+                <a14:useLocalDpi xmlns:a14="http://schemas.microsoft.com/office/drawing/2010/main" val="0"/>
+              </a:ext>
+            </a:extLst>
+          </a:blip>
+          <a:stretch>
+            <a:fillRect/>
+          </a:stretch>
+        </p:blipFill>
+        <p:spPr>
+          <a:xfrm>
+            <a:off x="1255314" y="2816326"/>
+            <a:ext cx="4611595" cy="3388630"/>
+          </a:xfrm>
+          <a:prstGeom prst="rect">
+            <a:avLst/>
+          </a:prstGeom>
+        </p:spPr>
+      </p:pic>
     </p:spTree>
     <p:extLst>
       <p:ext uri="{BB962C8B-B14F-4D97-AF65-F5344CB8AC3E}">
